--- a/INNOVACCER/PPT.pptx
+++ b/INNOVACCER/PPT.pptx
@@ -7,8 +7,7 @@
   <p:sldIdLst>
     <p:sldId id="256" r:id="rId2"/>
     <p:sldId id="257" r:id="rId3"/>
-    <p:sldId id="258" r:id="rId4"/>
-    <p:sldId id="259" r:id="rId5"/>
+    <p:sldId id="259" r:id="rId4"/>
   </p:sldIdLst>
   <p:sldSz cx="12192000" cy="6858000"/>
   <p:notesSz cx="6858000" cy="9144000"/>
@@ -246,7 +245,7 @@
           <a:p>
             <a:fld id="{ABFAC2E0-F34E-4D2D-8980-00CB700BC440}" type="datetimeFigureOut">
               <a:rPr lang="en-US" smtClean="0"/>
-              <a:t>2/17/2018</a:t>
+              <a:t>2/18/2018</a:t>
             </a:fld>
             <a:endParaRPr lang="en-US"/>
           </a:p>
@@ -416,7 +415,7 @@
           <a:p>
             <a:fld id="{ABFAC2E0-F34E-4D2D-8980-00CB700BC440}" type="datetimeFigureOut">
               <a:rPr lang="en-US" smtClean="0"/>
-              <a:t>2/17/2018</a:t>
+              <a:t>2/18/2018</a:t>
             </a:fld>
             <a:endParaRPr lang="en-US"/>
           </a:p>
@@ -596,7 +595,7 @@
           <a:p>
             <a:fld id="{ABFAC2E0-F34E-4D2D-8980-00CB700BC440}" type="datetimeFigureOut">
               <a:rPr lang="en-US" smtClean="0"/>
-              <a:t>2/17/2018</a:t>
+              <a:t>2/18/2018</a:t>
             </a:fld>
             <a:endParaRPr lang="en-US"/>
           </a:p>
@@ -766,7 +765,7 @@
           <a:p>
             <a:fld id="{ABFAC2E0-F34E-4D2D-8980-00CB700BC440}" type="datetimeFigureOut">
               <a:rPr lang="en-US" smtClean="0"/>
-              <a:t>2/17/2018</a:t>
+              <a:t>2/18/2018</a:t>
             </a:fld>
             <a:endParaRPr lang="en-US"/>
           </a:p>
@@ -1012,7 +1011,7 @@
           <a:p>
             <a:fld id="{ABFAC2E0-F34E-4D2D-8980-00CB700BC440}" type="datetimeFigureOut">
               <a:rPr lang="en-US" smtClean="0"/>
-              <a:t>2/17/2018</a:t>
+              <a:t>2/18/2018</a:t>
             </a:fld>
             <a:endParaRPr lang="en-US"/>
           </a:p>
@@ -1244,7 +1243,7 @@
           <a:p>
             <a:fld id="{ABFAC2E0-F34E-4D2D-8980-00CB700BC440}" type="datetimeFigureOut">
               <a:rPr lang="en-US" smtClean="0"/>
-              <a:t>2/17/2018</a:t>
+              <a:t>2/18/2018</a:t>
             </a:fld>
             <a:endParaRPr lang="en-US"/>
           </a:p>
@@ -1611,7 +1610,7 @@
           <a:p>
             <a:fld id="{ABFAC2E0-F34E-4D2D-8980-00CB700BC440}" type="datetimeFigureOut">
               <a:rPr lang="en-US" smtClean="0"/>
-              <a:t>2/17/2018</a:t>
+              <a:t>2/18/2018</a:t>
             </a:fld>
             <a:endParaRPr lang="en-US"/>
           </a:p>
@@ -1729,7 +1728,7 @@
           <a:p>
             <a:fld id="{ABFAC2E0-F34E-4D2D-8980-00CB700BC440}" type="datetimeFigureOut">
               <a:rPr lang="en-US" smtClean="0"/>
-              <a:t>2/17/2018</a:t>
+              <a:t>2/18/2018</a:t>
             </a:fld>
             <a:endParaRPr lang="en-US"/>
           </a:p>
@@ -1824,7 +1823,7 @@
           <a:p>
             <a:fld id="{ABFAC2E0-F34E-4D2D-8980-00CB700BC440}" type="datetimeFigureOut">
               <a:rPr lang="en-US" smtClean="0"/>
-              <a:t>2/17/2018</a:t>
+              <a:t>2/18/2018</a:t>
             </a:fld>
             <a:endParaRPr lang="en-US"/>
           </a:p>
@@ -2101,7 +2100,7 @@
           <a:p>
             <a:fld id="{ABFAC2E0-F34E-4D2D-8980-00CB700BC440}" type="datetimeFigureOut">
               <a:rPr lang="en-US" smtClean="0"/>
-              <a:t>2/17/2018</a:t>
+              <a:t>2/18/2018</a:t>
             </a:fld>
             <a:endParaRPr lang="en-US"/>
           </a:p>
@@ -2354,7 +2353,7 @@
           <a:p>
             <a:fld id="{ABFAC2E0-F34E-4D2D-8980-00CB700BC440}" type="datetimeFigureOut">
               <a:rPr lang="en-US" smtClean="0"/>
-              <a:t>2/17/2018</a:t>
+              <a:t>2/18/2018</a:t>
             </a:fld>
             <a:endParaRPr lang="en-US"/>
           </a:p>
@@ -2567,7 +2566,7 @@
           <a:p>
             <a:fld id="{ABFAC2E0-F34E-4D2D-8980-00CB700BC440}" type="datetimeFigureOut">
               <a:rPr lang="en-US" smtClean="0"/>
-              <a:t>2/17/2018</a:t>
+              <a:t>2/18/2018</a:t>
             </a:fld>
             <a:endParaRPr lang="en-US"/>
           </a:p>
@@ -3080,10 +3079,10 @@
           <a:lstStyle/>
           <a:p>
             <a:r>
-              <a:rPr lang="en-US" dirty="0" smtClean="0"/>
+              <a:rPr lang="en-US" b="1" u="sng" dirty="0" smtClean="0"/>
               <a:t>Approach :- </a:t>
             </a:r>
-            <a:endParaRPr lang="en-US" dirty="0"/>
+            <a:endParaRPr lang="en-US" b="1" u="sng" dirty="0"/>
           </a:p>
         </p:txBody>
       </p:sp>
@@ -3099,45 +3098,43 @@
         </p:nvSpPr>
         <p:spPr/>
         <p:txBody>
-          <a:bodyPr/>
-          <a:lstStyle/>
-          <a:p>
-            <a:r>
-              <a:rPr lang="en-US" dirty="0" smtClean="0"/>
+          <a:bodyPr>
+            <a:noAutofit/>
+          </a:bodyPr>
+          <a:lstStyle/>
+          <a:p>
+            <a:r>
+              <a:rPr lang="en-US" sz="3200" dirty="0" smtClean="0"/>
               <a:t>So First of all DOB is separated into date ,month and year.</a:t>
             </a:r>
           </a:p>
           <a:p>
             <a:r>
-              <a:rPr lang="en-US" dirty="0" smtClean="0"/>
-              <a:t>Then only first Word Of ‘ln’ And ‘</a:t>
-            </a:r>
-            <a:r>
-              <a:rPr lang="en-US" dirty="0" err="1" smtClean="0"/>
+              <a:rPr lang="en-US" sz="3200" dirty="0" smtClean="0"/>
+              <a:t>Then I have done the sub-setting according to gender and later on separated on the basis of common DOB.</a:t>
+            </a:r>
+          </a:p>
+          <a:p>
+            <a:r>
+              <a:rPr lang="en-US" sz="3200" dirty="0" smtClean="0"/>
+              <a:t>Then combine ‘</a:t>
+            </a:r>
+            <a:r>
+              <a:rPr lang="en-US" sz="3200" dirty="0" err="1" smtClean="0"/>
               <a:t>fn</a:t>
             </a:r>
             <a:r>
-              <a:rPr lang="en-US" dirty="0" smtClean="0"/>
-              <a:t>’ is taken:- means we have removed Jr. , Sr. ,etc. as it will not matter as this thing can be taken care by DOB.</a:t>
-            </a:r>
-          </a:p>
-          <a:p>
-            <a:r>
-              <a:rPr lang="en-US" dirty="0" smtClean="0"/>
-              <a:t>Then We have combined fn &amp; ln.</a:t>
-            </a:r>
-          </a:p>
-          <a:p>
-            <a:r>
-              <a:rPr lang="en-US" dirty="0" smtClean="0"/>
-              <a:t>Then compared all the rows to get the unique rows.</a:t>
-            </a:r>
-          </a:p>
-          <a:p>
-            <a:endParaRPr lang="en-US" dirty="0" smtClean="0"/>
-          </a:p>
-          <a:p>
-            <a:endParaRPr lang="en-US" dirty="0"/>
+              <a:rPr lang="en-US" sz="3200" dirty="0" smtClean="0"/>
+              <a:t>’ and ‘ln’ to make the variable named “</a:t>
+            </a:r>
+            <a:r>
+              <a:rPr lang="en-US" sz="3200" dirty="0" err="1" smtClean="0"/>
+              <a:t>fullname</a:t>
+            </a:r>
+            <a:r>
+              <a:rPr lang="en-US" sz="3200" dirty="0" smtClean="0"/>
+              <a:t>”</a:t>
+            </a:r>
           </a:p>
         </p:txBody>
       </p:sp>
@@ -3151,22 +3148,40 @@
             <p:ph sz="half" idx="2"/>
           </p:nvPr>
         </p:nvSpPr>
-        <p:spPr/>
-        <p:txBody>
-          <a:bodyPr/>
-          <a:lstStyle/>
-          <a:p>
-            <a:r>
-              <a:rPr lang="en-US" dirty="0" smtClean="0"/>
-              <a:t>Then get their IDs and from original dataset save those having these saved id’s.</a:t>
-            </a:r>
-          </a:p>
-          <a:p>
-            <a:r>
-              <a:rPr lang="en-US" dirty="0" smtClean="0"/>
-              <a:t>It is better to do it in such a way as dataset is small ,so if we train using ML Algorithm ,randomness would occur and correct result would not be predicted</a:t>
-            </a:r>
-            <a:endParaRPr lang="en-US" dirty="0"/>
+        <p:spPr>
+          <a:xfrm>
+            <a:off x="6172200" y="1825625"/>
+            <a:ext cx="5181600" cy="5228318"/>
+          </a:xfrm>
+        </p:spPr>
+        <p:txBody>
+          <a:bodyPr>
+            <a:normAutofit/>
+          </a:bodyPr>
+          <a:lstStyle/>
+          <a:p>
+            <a:r>
+              <a:rPr lang="en-US" sz="3200" dirty="0"/>
+              <a:t>Then make a loop to compare each column of full name to remaining column by </a:t>
+            </a:r>
+            <a:r>
+              <a:rPr lang="en-US" sz="3200" dirty="0" err="1"/>
+              <a:t>applying“Longest</a:t>
+            </a:r>
+            <a:r>
+              <a:rPr lang="en-US" sz="3200" dirty="0"/>
+              <a:t> subsequence” method</a:t>
+            </a:r>
+            <a:r>
+              <a:rPr lang="en-US" sz="3200" dirty="0" smtClean="0"/>
+              <a:t>.</a:t>
+            </a:r>
+          </a:p>
+          <a:p>
+            <a:r>
+              <a:rPr lang="en-US" sz="3200" dirty="0" smtClean="0"/>
+              <a:t>Make a function to compare 2 strings but before that split that strings into character.</a:t>
+            </a:r>
           </a:p>
         </p:txBody>
       </p:sp>
@@ -3202,7 +3217,7 @@
       </p:grpSpPr>
       <p:sp>
         <p:nvSpPr>
-          <p:cNvPr id="6" name="Content Placeholder 5"/>
+          <p:cNvPr id="3" name="Content Placeholder 2"/>
           <p:cNvSpPr>
             <a:spLocks noGrp="1"/>
           </p:cNvSpPr>
@@ -3212,8 +3227,8 @@
         </p:nvSpPr>
         <p:spPr>
           <a:xfrm>
-            <a:off x="0" y="901337"/>
-            <a:ext cx="11652068" cy="5956663"/>
+            <a:off x="229688" y="130174"/>
+            <a:ext cx="11748951" cy="5813425"/>
           </a:xfrm>
         </p:spPr>
         <p:txBody>
@@ -3222,1285 +3237,84 @@
           </a:bodyPr>
           <a:lstStyle/>
           <a:p>
-            <a:pPr marL="457200" lvl="1" indent="0">
+            <a:r>
+              <a:rPr lang="en-US" sz="3200" dirty="0"/>
+              <a:t>Then Get the longest subsequence and get its length and divide it by the average length of both the string you are comparing</a:t>
+            </a:r>
+            <a:r>
+              <a:rPr lang="en-US" sz="3200" dirty="0" smtClean="0"/>
+              <a:t>.</a:t>
+            </a:r>
+          </a:p>
+          <a:p>
+            <a:r>
+              <a:rPr lang="en-US" sz="3200" dirty="0" smtClean="0"/>
+              <a:t>You </a:t>
+            </a:r>
+            <a:r>
+              <a:rPr lang="en-US" sz="3200" dirty="0"/>
+              <a:t>will get the ratio which if greater than your set threshold value than ‘if’ loop will activate and the row with which it is getting ratio greater than threshold will be duplicate rows so remove them.</a:t>
+            </a:r>
+          </a:p>
+          <a:p>
+            <a:r>
+              <a:rPr lang="en-US" sz="3200" dirty="0"/>
+              <a:t>Then get their IDs and from original dataset save those having these saved id’s</a:t>
+            </a:r>
+            <a:r>
+              <a:rPr lang="en-US" sz="3200" dirty="0" smtClean="0"/>
+              <a:t>.</a:t>
+            </a:r>
+          </a:p>
+          <a:p>
+            <a:r>
+              <a:rPr lang="en-US" sz="3200" dirty="0" smtClean="0"/>
+              <a:t>So According to the output of the given dataset:- There are </a:t>
+            </a:r>
+            <a:r>
+              <a:rPr lang="en-US" sz="3200" dirty="0" smtClean="0"/>
+              <a:t>43 </a:t>
+            </a:r>
+            <a:r>
+              <a:rPr lang="en-US" sz="3200" dirty="0" smtClean="0"/>
+              <a:t>Unique names in the dataset</a:t>
+            </a:r>
+            <a:r>
+              <a:rPr lang="en-US" sz="3200" dirty="0"/>
+              <a:t> </a:t>
+            </a:r>
+            <a:r>
+              <a:rPr lang="en-US" sz="3200" dirty="0" smtClean="0"/>
+              <a:t>when threshold value is set to </a:t>
+            </a:r>
+            <a:r>
+              <a:rPr lang="en-US" sz="3200" dirty="0" smtClean="0"/>
+              <a:t>0.95</a:t>
+            </a:r>
+            <a:r>
+              <a:rPr lang="en-US" sz="3200" dirty="0" smtClean="0"/>
+              <a:t>.</a:t>
+            </a:r>
+            <a:endParaRPr lang="en-US" sz="3200" dirty="0"/>
+          </a:p>
+          <a:p>
+            <a:endParaRPr lang="en-US" sz="3200" dirty="0" smtClean="0"/>
+          </a:p>
+          <a:p>
+            <a:pPr marL="0" indent="0">
               <a:buNone/>
             </a:pPr>
-            <a:r>
-              <a:rPr lang="en-US" sz="2000" dirty="0" err="1" smtClean="0">
-                <a:latin typeface="Arial" panose="020B0604020202020204" pitchFamily="34" charset="0"/>
-                <a:cs typeface="Arial" panose="020B0604020202020204" pitchFamily="34" charset="0"/>
-              </a:rPr>
-              <a:t>SampleData</a:t>
-            </a:r>
-            <a:r>
-              <a:rPr lang="en-US" sz="2000" dirty="0" smtClean="0">
-                <a:latin typeface="Arial" panose="020B0604020202020204" pitchFamily="34" charset="0"/>
-                <a:cs typeface="Arial" panose="020B0604020202020204" pitchFamily="34" charset="0"/>
-              </a:rPr>
-              <a:t>=read.csv("DPSD.csv",</a:t>
-            </a:r>
-            <a:r>
-              <a:rPr lang="en-US" sz="2000" dirty="0" err="1" smtClean="0">
-                <a:latin typeface="Arial" panose="020B0604020202020204" pitchFamily="34" charset="0"/>
-                <a:cs typeface="Arial" panose="020B0604020202020204" pitchFamily="34" charset="0"/>
-              </a:rPr>
-              <a:t>stringsAsFactors</a:t>
-            </a:r>
-            <a:r>
-              <a:rPr lang="en-US" sz="2000" dirty="0" smtClean="0">
-                <a:latin typeface="Arial" panose="020B0604020202020204" pitchFamily="34" charset="0"/>
-                <a:cs typeface="Arial" panose="020B0604020202020204" pitchFamily="34" charset="0"/>
-              </a:rPr>
-              <a:t> = FALSE)</a:t>
-            </a:r>
-          </a:p>
-          <a:p>
-            <a:pPr marL="457200" lvl="1" indent="0">
+            <a:endParaRPr lang="en-US" sz="3200" dirty="0" smtClean="0"/>
+          </a:p>
+          <a:p>
+            <a:pPr marL="0" indent="0" algn="ctr">
               <a:buNone/>
             </a:pPr>
             <a:r>
-              <a:rPr lang="en-US" sz="2000" dirty="0" smtClean="0">
-                <a:latin typeface="Arial" panose="020B0604020202020204" pitchFamily="34" charset="0"/>
-                <a:cs typeface="Arial" panose="020B0604020202020204" pitchFamily="34" charset="0"/>
-              </a:rPr>
-              <a:t>data=</a:t>
-            </a:r>
-            <a:r>
-              <a:rPr lang="en-US" sz="2000" dirty="0" err="1" smtClean="0">
-                <a:latin typeface="Arial" panose="020B0604020202020204" pitchFamily="34" charset="0"/>
-                <a:cs typeface="Arial" panose="020B0604020202020204" pitchFamily="34" charset="0"/>
-              </a:rPr>
-              <a:t>SampleData</a:t>
-            </a:r>
-            <a:endParaRPr lang="en-US" sz="2000" dirty="0" smtClean="0">
-              <a:latin typeface="Arial" panose="020B0604020202020204" pitchFamily="34" charset="0"/>
-              <a:cs typeface="Arial" panose="020B0604020202020204" pitchFamily="34" charset="0"/>
-            </a:endParaRPr>
-          </a:p>
-          <a:p>
-            <a:pPr marL="457200" lvl="1" indent="0">
-              <a:buNone/>
-            </a:pPr>
-            <a:r>
-              <a:rPr lang="en-US" sz="2000" dirty="0" err="1" smtClean="0">
-                <a:latin typeface="Arial" panose="020B0604020202020204" pitchFamily="34" charset="0"/>
-                <a:cs typeface="Arial" panose="020B0604020202020204" pitchFamily="34" charset="0"/>
-              </a:rPr>
-              <a:t>len</a:t>
-            </a:r>
-            <a:r>
-              <a:rPr lang="en-US" sz="2000" dirty="0" smtClean="0">
-                <a:latin typeface="Arial" panose="020B0604020202020204" pitchFamily="34" charset="0"/>
-                <a:cs typeface="Arial" panose="020B0604020202020204" pitchFamily="34" charset="0"/>
-              </a:rPr>
-              <a:t> = length(</a:t>
-            </a:r>
-            <a:r>
-              <a:rPr lang="en-US" sz="2000" dirty="0" err="1" smtClean="0">
-                <a:latin typeface="Arial" panose="020B0604020202020204" pitchFamily="34" charset="0"/>
-                <a:cs typeface="Arial" panose="020B0604020202020204" pitchFamily="34" charset="0"/>
-              </a:rPr>
-              <a:t>data$ln</a:t>
-            </a:r>
-            <a:r>
-              <a:rPr lang="en-US" sz="2000" dirty="0" smtClean="0">
-                <a:latin typeface="Arial" panose="020B0604020202020204" pitchFamily="34" charset="0"/>
-                <a:cs typeface="Arial" panose="020B0604020202020204" pitchFamily="34" charset="0"/>
-              </a:rPr>
-              <a:t>)</a:t>
-            </a:r>
-          </a:p>
-          <a:p>
-            <a:pPr marL="457200" lvl="1" indent="0">
-              <a:buNone/>
-            </a:pPr>
-            <a:r>
-              <a:rPr lang="en-US" sz="2000" dirty="0" err="1" smtClean="0">
-                <a:latin typeface="Arial" panose="020B0604020202020204" pitchFamily="34" charset="0"/>
-                <a:cs typeface="Arial" panose="020B0604020202020204" pitchFamily="34" charset="0"/>
-              </a:rPr>
-              <a:t>data$gn</a:t>
-            </a:r>
-            <a:r>
-              <a:rPr lang="en-US" sz="2000" dirty="0" smtClean="0">
-                <a:latin typeface="Arial" panose="020B0604020202020204" pitchFamily="34" charset="0"/>
-                <a:cs typeface="Arial" panose="020B0604020202020204" pitchFamily="34" charset="0"/>
-              </a:rPr>
-              <a:t>&lt;-</a:t>
-            </a:r>
-            <a:r>
-              <a:rPr lang="en-US" sz="2000" dirty="0" err="1" smtClean="0">
-                <a:latin typeface="Arial" panose="020B0604020202020204" pitchFamily="34" charset="0"/>
-                <a:cs typeface="Arial" panose="020B0604020202020204" pitchFamily="34" charset="0"/>
-              </a:rPr>
-              <a:t>as.factor</a:t>
-            </a:r>
-            <a:r>
-              <a:rPr lang="en-US" sz="2000" dirty="0" smtClean="0">
-                <a:latin typeface="Arial" panose="020B0604020202020204" pitchFamily="34" charset="0"/>
-                <a:cs typeface="Arial" panose="020B0604020202020204" pitchFamily="34" charset="0"/>
-              </a:rPr>
-              <a:t>(</a:t>
-            </a:r>
-            <a:r>
-              <a:rPr lang="en-US" sz="2000" dirty="0" err="1" smtClean="0">
-                <a:latin typeface="Arial" panose="020B0604020202020204" pitchFamily="34" charset="0"/>
-                <a:cs typeface="Arial" panose="020B0604020202020204" pitchFamily="34" charset="0"/>
-              </a:rPr>
-              <a:t>data$gn</a:t>
-            </a:r>
-            <a:r>
-              <a:rPr lang="en-US" sz="2000" dirty="0" smtClean="0">
-                <a:latin typeface="Arial" panose="020B0604020202020204" pitchFamily="34" charset="0"/>
-                <a:cs typeface="Arial" panose="020B0604020202020204" pitchFamily="34" charset="0"/>
-              </a:rPr>
-              <a:t>)</a:t>
-            </a:r>
-          </a:p>
-          <a:p>
-            <a:pPr marL="457200" lvl="1" indent="0">
-              <a:buNone/>
-            </a:pPr>
-            <a:endParaRPr lang="en-US" sz="2000" dirty="0" smtClean="0">
-              <a:latin typeface="Arial" panose="020B0604020202020204" pitchFamily="34" charset="0"/>
-              <a:cs typeface="Arial" panose="020B0604020202020204" pitchFamily="34" charset="0"/>
-            </a:endParaRPr>
-          </a:p>
-          <a:p>
-            <a:pPr marL="457200" lvl="1" indent="0">
-              <a:buNone/>
-            </a:pPr>
-            <a:r>
-              <a:rPr lang="en-US" sz="2000" dirty="0" smtClean="0">
-                <a:latin typeface="Arial" panose="020B0604020202020204" pitchFamily="34" charset="0"/>
-                <a:cs typeface="Arial" panose="020B0604020202020204" pitchFamily="34" charset="0"/>
-              </a:rPr>
-              <a:t>for (</a:t>
-            </a:r>
-            <a:r>
-              <a:rPr lang="en-US" sz="2000" dirty="0" err="1" smtClean="0">
-                <a:latin typeface="Arial" panose="020B0604020202020204" pitchFamily="34" charset="0"/>
-                <a:cs typeface="Arial" panose="020B0604020202020204" pitchFamily="34" charset="0"/>
-              </a:rPr>
-              <a:t>i</a:t>
-            </a:r>
-            <a:r>
-              <a:rPr lang="en-US" sz="2000" dirty="0" smtClean="0">
-                <a:latin typeface="Arial" panose="020B0604020202020204" pitchFamily="34" charset="0"/>
-                <a:cs typeface="Arial" panose="020B0604020202020204" pitchFamily="34" charset="0"/>
-              </a:rPr>
-              <a:t> in 1:len){</a:t>
-            </a:r>
-            <a:endParaRPr lang="en-US" sz="2000" dirty="0" smtClean="0">
-              <a:solidFill>
-                <a:srgbClr val="0070C0"/>
-              </a:solidFill>
-              <a:latin typeface="Arial" panose="020B0604020202020204" pitchFamily="34" charset="0"/>
-              <a:cs typeface="Arial" panose="020B0604020202020204" pitchFamily="34" charset="0"/>
-            </a:endParaRPr>
-          </a:p>
-          <a:p>
-            <a:pPr marL="914400" lvl="2" indent="0">
-              <a:buNone/>
-            </a:pPr>
-            <a:r>
-              <a:rPr lang="en-US" sz="1800" dirty="0" err="1" smtClean="0">
-                <a:solidFill>
-                  <a:srgbClr val="0070C0"/>
-                </a:solidFill>
-                <a:latin typeface="Arial" panose="020B0604020202020204" pitchFamily="34" charset="0"/>
-                <a:cs typeface="Arial" panose="020B0604020202020204" pitchFamily="34" charset="0"/>
-              </a:rPr>
-              <a:t>data$ln</a:t>
-            </a:r>
-            <a:r>
-              <a:rPr lang="en-US" sz="1800" dirty="0" smtClean="0">
-                <a:solidFill>
-                  <a:srgbClr val="0070C0"/>
-                </a:solidFill>
-                <a:latin typeface="Arial" panose="020B0604020202020204" pitchFamily="34" charset="0"/>
-                <a:cs typeface="Arial" panose="020B0604020202020204" pitchFamily="34" charset="0"/>
-              </a:rPr>
-              <a:t>[</a:t>
-            </a:r>
-            <a:r>
-              <a:rPr lang="en-US" sz="1800" dirty="0" err="1" smtClean="0">
-                <a:solidFill>
-                  <a:srgbClr val="0070C0"/>
-                </a:solidFill>
-                <a:latin typeface="Arial" panose="020B0604020202020204" pitchFamily="34" charset="0"/>
-                <a:cs typeface="Arial" panose="020B0604020202020204" pitchFamily="34" charset="0"/>
-              </a:rPr>
-              <a:t>i</a:t>
-            </a:r>
-            <a:r>
-              <a:rPr lang="en-US" sz="1800" dirty="0" smtClean="0">
-                <a:solidFill>
-                  <a:srgbClr val="0070C0"/>
-                </a:solidFill>
-                <a:latin typeface="Arial" panose="020B0604020202020204" pitchFamily="34" charset="0"/>
-                <a:cs typeface="Arial" panose="020B0604020202020204" pitchFamily="34" charset="0"/>
-              </a:rPr>
-              <a:t>]&lt;-</a:t>
-            </a:r>
-            <a:r>
-              <a:rPr lang="en-US" sz="1800" dirty="0" err="1" smtClean="0">
-                <a:solidFill>
-                  <a:srgbClr val="0070C0"/>
-                </a:solidFill>
-                <a:latin typeface="Arial" panose="020B0604020202020204" pitchFamily="34" charset="0"/>
-                <a:cs typeface="Arial" panose="020B0604020202020204" pitchFamily="34" charset="0"/>
-              </a:rPr>
-              <a:t>unlist</a:t>
-            </a:r>
-            <a:r>
-              <a:rPr lang="en-US" sz="1800" dirty="0" smtClean="0">
-                <a:solidFill>
-                  <a:srgbClr val="0070C0"/>
-                </a:solidFill>
-                <a:latin typeface="Arial" panose="020B0604020202020204" pitchFamily="34" charset="0"/>
-                <a:cs typeface="Arial" panose="020B0604020202020204" pitchFamily="34" charset="0"/>
-              </a:rPr>
-              <a:t>(</a:t>
-            </a:r>
-            <a:r>
-              <a:rPr lang="en-US" sz="1800" dirty="0" err="1" smtClean="0">
-                <a:solidFill>
-                  <a:srgbClr val="0070C0"/>
-                </a:solidFill>
-                <a:latin typeface="Arial" panose="020B0604020202020204" pitchFamily="34" charset="0"/>
-                <a:cs typeface="Arial" panose="020B0604020202020204" pitchFamily="34" charset="0"/>
-              </a:rPr>
-              <a:t>strsplit</a:t>
-            </a:r>
-            <a:r>
-              <a:rPr lang="en-US" sz="1800" dirty="0" smtClean="0">
-                <a:solidFill>
-                  <a:srgbClr val="0070C0"/>
-                </a:solidFill>
-                <a:latin typeface="Arial" panose="020B0604020202020204" pitchFamily="34" charset="0"/>
-                <a:cs typeface="Arial" panose="020B0604020202020204" pitchFamily="34" charset="0"/>
-              </a:rPr>
-              <a:t>(</a:t>
-            </a:r>
-            <a:r>
-              <a:rPr lang="en-US" sz="1800" dirty="0" err="1" smtClean="0">
-                <a:solidFill>
-                  <a:srgbClr val="0070C0"/>
-                </a:solidFill>
-                <a:latin typeface="Arial" panose="020B0604020202020204" pitchFamily="34" charset="0"/>
-                <a:cs typeface="Arial" panose="020B0604020202020204" pitchFamily="34" charset="0"/>
-              </a:rPr>
-              <a:t>data$ln,split</a:t>
-            </a:r>
-            <a:r>
-              <a:rPr lang="en-US" sz="1800" dirty="0" smtClean="0">
-                <a:solidFill>
-                  <a:srgbClr val="0070C0"/>
-                </a:solidFill>
-                <a:latin typeface="Arial" panose="020B0604020202020204" pitchFamily="34" charset="0"/>
-                <a:cs typeface="Arial" panose="020B0604020202020204" pitchFamily="34" charset="0"/>
-              </a:rPr>
-              <a:t>=" ")[</a:t>
-            </a:r>
-            <a:r>
-              <a:rPr lang="en-US" sz="1800" dirty="0" err="1" smtClean="0">
-                <a:solidFill>
-                  <a:srgbClr val="0070C0"/>
-                </a:solidFill>
-                <a:latin typeface="Arial" panose="020B0604020202020204" pitchFamily="34" charset="0"/>
-                <a:cs typeface="Arial" panose="020B0604020202020204" pitchFamily="34" charset="0"/>
-              </a:rPr>
-              <a:t>i</a:t>
-            </a:r>
-            <a:r>
-              <a:rPr lang="en-US" sz="1800" dirty="0" smtClean="0">
-                <a:solidFill>
-                  <a:srgbClr val="0070C0"/>
-                </a:solidFill>
-                <a:latin typeface="Arial" panose="020B0604020202020204" pitchFamily="34" charset="0"/>
-                <a:cs typeface="Arial" panose="020B0604020202020204" pitchFamily="34" charset="0"/>
-              </a:rPr>
-              <a:t>])[1]</a:t>
-            </a:r>
-          </a:p>
-          <a:p>
-            <a:pPr marL="914400" lvl="2" indent="0">
-              <a:buNone/>
-            </a:pPr>
-            <a:r>
-              <a:rPr lang="en-US" sz="1800" dirty="0" err="1" smtClean="0">
-                <a:solidFill>
-                  <a:srgbClr val="0070C0"/>
-                </a:solidFill>
-                <a:latin typeface="Arial" panose="020B0604020202020204" pitchFamily="34" charset="0"/>
-                <a:cs typeface="Arial" panose="020B0604020202020204" pitchFamily="34" charset="0"/>
-              </a:rPr>
-              <a:t>data$fn</a:t>
-            </a:r>
-            <a:r>
-              <a:rPr lang="en-US" sz="1800" dirty="0" smtClean="0">
-                <a:solidFill>
-                  <a:srgbClr val="0070C0"/>
-                </a:solidFill>
-                <a:latin typeface="Arial" panose="020B0604020202020204" pitchFamily="34" charset="0"/>
-                <a:cs typeface="Arial" panose="020B0604020202020204" pitchFamily="34" charset="0"/>
-              </a:rPr>
-              <a:t>[</a:t>
-            </a:r>
-            <a:r>
-              <a:rPr lang="en-US" sz="1800" dirty="0" err="1" smtClean="0">
-                <a:solidFill>
-                  <a:srgbClr val="0070C0"/>
-                </a:solidFill>
-                <a:latin typeface="Arial" panose="020B0604020202020204" pitchFamily="34" charset="0"/>
-                <a:cs typeface="Arial" panose="020B0604020202020204" pitchFamily="34" charset="0"/>
-              </a:rPr>
-              <a:t>i</a:t>
-            </a:r>
-            <a:r>
-              <a:rPr lang="en-US" sz="1800" dirty="0" smtClean="0">
-                <a:solidFill>
-                  <a:srgbClr val="0070C0"/>
-                </a:solidFill>
-                <a:latin typeface="Arial" panose="020B0604020202020204" pitchFamily="34" charset="0"/>
-                <a:cs typeface="Arial" panose="020B0604020202020204" pitchFamily="34" charset="0"/>
-              </a:rPr>
-              <a:t>]&lt;-</a:t>
-            </a:r>
-            <a:r>
-              <a:rPr lang="en-US" sz="1800" dirty="0" err="1" smtClean="0">
-                <a:solidFill>
-                  <a:srgbClr val="0070C0"/>
-                </a:solidFill>
-                <a:latin typeface="Arial" panose="020B0604020202020204" pitchFamily="34" charset="0"/>
-                <a:cs typeface="Arial" panose="020B0604020202020204" pitchFamily="34" charset="0"/>
-              </a:rPr>
-              <a:t>unlist</a:t>
-            </a:r>
-            <a:r>
-              <a:rPr lang="en-US" sz="1800" dirty="0" smtClean="0">
-                <a:solidFill>
-                  <a:srgbClr val="0070C0"/>
-                </a:solidFill>
-                <a:latin typeface="Arial" panose="020B0604020202020204" pitchFamily="34" charset="0"/>
-                <a:cs typeface="Arial" panose="020B0604020202020204" pitchFamily="34" charset="0"/>
-              </a:rPr>
-              <a:t>(</a:t>
-            </a:r>
-            <a:r>
-              <a:rPr lang="en-US" sz="1800" dirty="0" err="1" smtClean="0">
-                <a:solidFill>
-                  <a:srgbClr val="0070C0"/>
-                </a:solidFill>
-                <a:latin typeface="Arial" panose="020B0604020202020204" pitchFamily="34" charset="0"/>
-                <a:cs typeface="Arial" panose="020B0604020202020204" pitchFamily="34" charset="0"/>
-              </a:rPr>
-              <a:t>strsplit</a:t>
-            </a:r>
-            <a:r>
-              <a:rPr lang="en-US" sz="1800" dirty="0" smtClean="0">
-                <a:solidFill>
-                  <a:srgbClr val="0070C0"/>
-                </a:solidFill>
-                <a:latin typeface="Arial" panose="020B0604020202020204" pitchFamily="34" charset="0"/>
-                <a:cs typeface="Arial" panose="020B0604020202020204" pitchFamily="34" charset="0"/>
-              </a:rPr>
-              <a:t>(</a:t>
-            </a:r>
-            <a:r>
-              <a:rPr lang="en-US" sz="1800" dirty="0" err="1" smtClean="0">
-                <a:solidFill>
-                  <a:srgbClr val="0070C0"/>
-                </a:solidFill>
-                <a:latin typeface="Arial" panose="020B0604020202020204" pitchFamily="34" charset="0"/>
-                <a:cs typeface="Arial" panose="020B0604020202020204" pitchFamily="34" charset="0"/>
-              </a:rPr>
-              <a:t>data$fn,split</a:t>
-            </a:r>
-            <a:r>
-              <a:rPr lang="en-US" sz="1800" dirty="0" smtClean="0">
-                <a:solidFill>
-                  <a:srgbClr val="0070C0"/>
-                </a:solidFill>
-                <a:latin typeface="Arial" panose="020B0604020202020204" pitchFamily="34" charset="0"/>
-                <a:cs typeface="Arial" panose="020B0604020202020204" pitchFamily="34" charset="0"/>
-              </a:rPr>
-              <a:t>=" ")[</a:t>
-            </a:r>
-            <a:r>
-              <a:rPr lang="en-US" sz="1800" dirty="0" err="1" smtClean="0">
-                <a:solidFill>
-                  <a:srgbClr val="0070C0"/>
-                </a:solidFill>
-                <a:latin typeface="Arial" panose="020B0604020202020204" pitchFamily="34" charset="0"/>
-                <a:cs typeface="Arial" panose="020B0604020202020204" pitchFamily="34" charset="0"/>
-              </a:rPr>
-              <a:t>i</a:t>
-            </a:r>
-            <a:r>
-              <a:rPr lang="en-US" sz="1800" dirty="0" smtClean="0">
-                <a:solidFill>
-                  <a:srgbClr val="0070C0"/>
-                </a:solidFill>
-                <a:latin typeface="Arial" panose="020B0604020202020204" pitchFamily="34" charset="0"/>
-                <a:cs typeface="Arial" panose="020B0604020202020204" pitchFamily="34" charset="0"/>
-              </a:rPr>
-              <a:t>])[1]</a:t>
-            </a:r>
-          </a:p>
-          <a:p>
-            <a:pPr marL="914400" lvl="2" indent="0">
-              <a:buNone/>
-            </a:pPr>
-            <a:r>
-              <a:rPr lang="en-US" sz="1800" dirty="0" err="1" smtClean="0">
-                <a:solidFill>
-                  <a:srgbClr val="0070C0"/>
-                </a:solidFill>
-                <a:latin typeface="Arial" panose="020B0604020202020204" pitchFamily="34" charset="0"/>
-                <a:cs typeface="Arial" panose="020B0604020202020204" pitchFamily="34" charset="0"/>
-              </a:rPr>
-              <a:t>data$fullname</a:t>
-            </a:r>
-            <a:r>
-              <a:rPr lang="en-US" sz="1800" dirty="0" smtClean="0">
-                <a:solidFill>
-                  <a:srgbClr val="0070C0"/>
-                </a:solidFill>
-                <a:latin typeface="Arial" panose="020B0604020202020204" pitchFamily="34" charset="0"/>
-                <a:cs typeface="Arial" panose="020B0604020202020204" pitchFamily="34" charset="0"/>
-              </a:rPr>
-              <a:t>[</a:t>
-            </a:r>
-            <a:r>
-              <a:rPr lang="en-US" sz="1800" dirty="0" err="1" smtClean="0">
-                <a:solidFill>
-                  <a:srgbClr val="0070C0"/>
-                </a:solidFill>
-                <a:latin typeface="Arial" panose="020B0604020202020204" pitchFamily="34" charset="0"/>
-                <a:cs typeface="Arial" panose="020B0604020202020204" pitchFamily="34" charset="0"/>
-              </a:rPr>
-              <a:t>i</a:t>
-            </a:r>
-            <a:r>
-              <a:rPr lang="en-US" sz="1800" dirty="0" smtClean="0">
-                <a:solidFill>
-                  <a:srgbClr val="0070C0"/>
-                </a:solidFill>
-                <a:latin typeface="Arial" panose="020B0604020202020204" pitchFamily="34" charset="0"/>
-                <a:cs typeface="Arial" panose="020B0604020202020204" pitchFamily="34" charset="0"/>
-              </a:rPr>
-              <a:t>]&lt;-paste(</a:t>
-            </a:r>
-            <a:r>
-              <a:rPr lang="en-US" sz="1800" dirty="0" err="1" smtClean="0">
-                <a:solidFill>
-                  <a:srgbClr val="0070C0"/>
-                </a:solidFill>
-                <a:latin typeface="Arial" panose="020B0604020202020204" pitchFamily="34" charset="0"/>
-                <a:cs typeface="Arial" panose="020B0604020202020204" pitchFamily="34" charset="0"/>
-              </a:rPr>
-              <a:t>data$ln</a:t>
-            </a:r>
-            <a:r>
-              <a:rPr lang="en-US" sz="1800" dirty="0" smtClean="0">
-                <a:solidFill>
-                  <a:srgbClr val="0070C0"/>
-                </a:solidFill>
-                <a:latin typeface="Arial" panose="020B0604020202020204" pitchFamily="34" charset="0"/>
-                <a:cs typeface="Arial" panose="020B0604020202020204" pitchFamily="34" charset="0"/>
-              </a:rPr>
-              <a:t>[</a:t>
-            </a:r>
-            <a:r>
-              <a:rPr lang="en-US" sz="1800" dirty="0" err="1" smtClean="0">
-                <a:solidFill>
-                  <a:srgbClr val="0070C0"/>
-                </a:solidFill>
-                <a:latin typeface="Arial" panose="020B0604020202020204" pitchFamily="34" charset="0"/>
-                <a:cs typeface="Arial" panose="020B0604020202020204" pitchFamily="34" charset="0"/>
-              </a:rPr>
-              <a:t>i</a:t>
-            </a:r>
-            <a:r>
-              <a:rPr lang="en-US" sz="1800" dirty="0" smtClean="0">
-                <a:solidFill>
-                  <a:srgbClr val="0070C0"/>
-                </a:solidFill>
-                <a:latin typeface="Arial" panose="020B0604020202020204" pitchFamily="34" charset="0"/>
-                <a:cs typeface="Arial" panose="020B0604020202020204" pitchFamily="34" charset="0"/>
-              </a:rPr>
-              <a:t>],</a:t>
-            </a:r>
-            <a:r>
-              <a:rPr lang="en-US" sz="1800" dirty="0" err="1" smtClean="0">
-                <a:solidFill>
-                  <a:srgbClr val="0070C0"/>
-                </a:solidFill>
-                <a:latin typeface="Arial" panose="020B0604020202020204" pitchFamily="34" charset="0"/>
-                <a:cs typeface="Arial" panose="020B0604020202020204" pitchFamily="34" charset="0"/>
-              </a:rPr>
-              <a:t>data$fn</a:t>
-            </a:r>
-            <a:r>
-              <a:rPr lang="en-US" sz="1800" dirty="0" smtClean="0">
-                <a:solidFill>
-                  <a:srgbClr val="0070C0"/>
-                </a:solidFill>
-                <a:latin typeface="Arial" panose="020B0604020202020204" pitchFamily="34" charset="0"/>
-                <a:cs typeface="Arial" panose="020B0604020202020204" pitchFamily="34" charset="0"/>
-              </a:rPr>
-              <a:t>[</a:t>
-            </a:r>
-            <a:r>
-              <a:rPr lang="en-US" sz="1800" dirty="0" err="1" smtClean="0">
-                <a:solidFill>
-                  <a:srgbClr val="0070C0"/>
-                </a:solidFill>
-                <a:latin typeface="Arial" panose="020B0604020202020204" pitchFamily="34" charset="0"/>
-                <a:cs typeface="Arial" panose="020B0604020202020204" pitchFamily="34" charset="0"/>
-              </a:rPr>
-              <a:t>i</a:t>
-            </a:r>
-            <a:r>
-              <a:rPr lang="en-US" sz="1800" dirty="0" smtClean="0">
-                <a:solidFill>
-                  <a:srgbClr val="0070C0"/>
-                </a:solidFill>
-                <a:latin typeface="Arial" panose="020B0604020202020204" pitchFamily="34" charset="0"/>
-                <a:cs typeface="Arial" panose="020B0604020202020204" pitchFamily="34" charset="0"/>
-              </a:rPr>
-              <a:t>])</a:t>
-            </a:r>
-          </a:p>
-          <a:p>
-            <a:pPr marL="914400" lvl="2" indent="0">
-              <a:buNone/>
-            </a:pPr>
-            <a:r>
-              <a:rPr lang="en-US" sz="1800" dirty="0" err="1" smtClean="0">
-                <a:solidFill>
-                  <a:srgbClr val="0070C0"/>
-                </a:solidFill>
-                <a:latin typeface="Arial" panose="020B0604020202020204" pitchFamily="34" charset="0"/>
-                <a:cs typeface="Arial" panose="020B0604020202020204" pitchFamily="34" charset="0"/>
-              </a:rPr>
-              <a:t>data$day</a:t>
-            </a:r>
-            <a:r>
-              <a:rPr lang="en-US" sz="1800" dirty="0" smtClean="0">
-                <a:solidFill>
-                  <a:srgbClr val="0070C0"/>
-                </a:solidFill>
-                <a:latin typeface="Arial" panose="020B0604020202020204" pitchFamily="34" charset="0"/>
-                <a:cs typeface="Arial" panose="020B0604020202020204" pitchFamily="34" charset="0"/>
-              </a:rPr>
-              <a:t>[</a:t>
-            </a:r>
-            <a:r>
-              <a:rPr lang="en-US" sz="1800" dirty="0" err="1" smtClean="0">
-                <a:solidFill>
-                  <a:srgbClr val="0070C0"/>
-                </a:solidFill>
-                <a:latin typeface="Arial" panose="020B0604020202020204" pitchFamily="34" charset="0"/>
-                <a:cs typeface="Arial" panose="020B0604020202020204" pitchFamily="34" charset="0"/>
-              </a:rPr>
-              <a:t>i</a:t>
-            </a:r>
-            <a:r>
-              <a:rPr lang="en-US" sz="1800" dirty="0" smtClean="0">
-                <a:solidFill>
-                  <a:srgbClr val="0070C0"/>
-                </a:solidFill>
-                <a:latin typeface="Arial" panose="020B0604020202020204" pitchFamily="34" charset="0"/>
-                <a:cs typeface="Arial" panose="020B0604020202020204" pitchFamily="34" charset="0"/>
-              </a:rPr>
-              <a:t>]&lt;-</a:t>
-            </a:r>
-            <a:r>
-              <a:rPr lang="en-US" sz="1800" dirty="0" err="1" smtClean="0">
-                <a:solidFill>
-                  <a:srgbClr val="0070C0"/>
-                </a:solidFill>
-                <a:latin typeface="Arial" panose="020B0604020202020204" pitchFamily="34" charset="0"/>
-                <a:cs typeface="Arial" panose="020B0604020202020204" pitchFamily="34" charset="0"/>
-              </a:rPr>
-              <a:t>as.integer</a:t>
-            </a:r>
-            <a:r>
-              <a:rPr lang="en-US" sz="1800" dirty="0" smtClean="0">
-                <a:solidFill>
-                  <a:srgbClr val="0070C0"/>
-                </a:solidFill>
-                <a:latin typeface="Arial" panose="020B0604020202020204" pitchFamily="34" charset="0"/>
-                <a:cs typeface="Arial" panose="020B0604020202020204" pitchFamily="34" charset="0"/>
-              </a:rPr>
-              <a:t>(</a:t>
-            </a:r>
-            <a:r>
-              <a:rPr lang="en-US" sz="1800" dirty="0" err="1" smtClean="0">
-                <a:solidFill>
-                  <a:srgbClr val="0070C0"/>
-                </a:solidFill>
-                <a:latin typeface="Arial" panose="020B0604020202020204" pitchFamily="34" charset="0"/>
-                <a:cs typeface="Arial" panose="020B0604020202020204" pitchFamily="34" charset="0"/>
-              </a:rPr>
-              <a:t>unlist</a:t>
-            </a:r>
-            <a:r>
-              <a:rPr lang="en-US" sz="1800" dirty="0" smtClean="0">
-                <a:solidFill>
-                  <a:srgbClr val="0070C0"/>
-                </a:solidFill>
-                <a:latin typeface="Arial" panose="020B0604020202020204" pitchFamily="34" charset="0"/>
-                <a:cs typeface="Arial" panose="020B0604020202020204" pitchFamily="34" charset="0"/>
-              </a:rPr>
-              <a:t>(</a:t>
-            </a:r>
-            <a:r>
-              <a:rPr lang="en-US" sz="1800" dirty="0" err="1" smtClean="0">
-                <a:solidFill>
-                  <a:srgbClr val="0070C0"/>
-                </a:solidFill>
-                <a:latin typeface="Arial" panose="020B0604020202020204" pitchFamily="34" charset="0"/>
-                <a:cs typeface="Arial" panose="020B0604020202020204" pitchFamily="34" charset="0"/>
-              </a:rPr>
-              <a:t>strsplit</a:t>
-            </a:r>
-            <a:r>
-              <a:rPr lang="en-US" sz="1800" dirty="0" smtClean="0">
-                <a:solidFill>
-                  <a:srgbClr val="0070C0"/>
-                </a:solidFill>
-                <a:latin typeface="Arial" panose="020B0604020202020204" pitchFamily="34" charset="0"/>
-                <a:cs typeface="Arial" panose="020B0604020202020204" pitchFamily="34" charset="0"/>
-              </a:rPr>
-              <a:t>(</a:t>
-            </a:r>
-            <a:r>
-              <a:rPr lang="en-US" sz="1800" dirty="0" err="1" smtClean="0">
-                <a:solidFill>
-                  <a:srgbClr val="0070C0"/>
-                </a:solidFill>
-                <a:latin typeface="Arial" panose="020B0604020202020204" pitchFamily="34" charset="0"/>
-                <a:cs typeface="Arial" panose="020B0604020202020204" pitchFamily="34" charset="0"/>
-              </a:rPr>
-              <a:t>data$dob,split</a:t>
-            </a:r>
-            <a:r>
-              <a:rPr lang="en-US" sz="1800" dirty="0" smtClean="0">
-                <a:solidFill>
-                  <a:srgbClr val="0070C0"/>
-                </a:solidFill>
-                <a:latin typeface="Arial" panose="020B0604020202020204" pitchFamily="34" charset="0"/>
-                <a:cs typeface="Arial" panose="020B0604020202020204" pitchFamily="34" charset="0"/>
-              </a:rPr>
-              <a:t>="/")[</a:t>
-            </a:r>
-            <a:r>
-              <a:rPr lang="en-US" sz="1800" dirty="0" err="1" smtClean="0">
-                <a:solidFill>
-                  <a:srgbClr val="0070C0"/>
-                </a:solidFill>
-                <a:latin typeface="Arial" panose="020B0604020202020204" pitchFamily="34" charset="0"/>
-                <a:cs typeface="Arial" panose="020B0604020202020204" pitchFamily="34" charset="0"/>
-              </a:rPr>
-              <a:t>i</a:t>
-            </a:r>
-            <a:r>
-              <a:rPr lang="en-US" sz="1800" dirty="0" smtClean="0">
-                <a:solidFill>
-                  <a:srgbClr val="0070C0"/>
-                </a:solidFill>
-                <a:latin typeface="Arial" panose="020B0604020202020204" pitchFamily="34" charset="0"/>
-                <a:cs typeface="Arial" panose="020B0604020202020204" pitchFamily="34" charset="0"/>
-              </a:rPr>
-              <a:t>])[1])</a:t>
-            </a:r>
-          </a:p>
-          <a:p>
-            <a:pPr marL="914400" lvl="2" indent="0">
-              <a:buNone/>
-            </a:pPr>
-            <a:r>
-              <a:rPr lang="en-US" sz="1800" dirty="0" err="1" smtClean="0">
-                <a:solidFill>
-                  <a:srgbClr val="0070C0"/>
-                </a:solidFill>
-                <a:latin typeface="Arial" panose="020B0604020202020204" pitchFamily="34" charset="0"/>
-                <a:cs typeface="Arial" panose="020B0604020202020204" pitchFamily="34" charset="0"/>
-              </a:rPr>
-              <a:t>data$month</a:t>
-            </a:r>
-            <a:r>
-              <a:rPr lang="en-US" sz="1800" dirty="0" smtClean="0">
-                <a:solidFill>
-                  <a:srgbClr val="0070C0"/>
-                </a:solidFill>
-                <a:latin typeface="Arial" panose="020B0604020202020204" pitchFamily="34" charset="0"/>
-                <a:cs typeface="Arial" panose="020B0604020202020204" pitchFamily="34" charset="0"/>
-              </a:rPr>
-              <a:t>[</a:t>
-            </a:r>
-            <a:r>
-              <a:rPr lang="en-US" sz="1800" dirty="0" err="1" smtClean="0">
-                <a:solidFill>
-                  <a:srgbClr val="0070C0"/>
-                </a:solidFill>
-                <a:latin typeface="Arial" panose="020B0604020202020204" pitchFamily="34" charset="0"/>
-                <a:cs typeface="Arial" panose="020B0604020202020204" pitchFamily="34" charset="0"/>
-              </a:rPr>
-              <a:t>i</a:t>
-            </a:r>
-            <a:r>
-              <a:rPr lang="en-US" sz="1800" dirty="0" smtClean="0">
-                <a:solidFill>
-                  <a:srgbClr val="0070C0"/>
-                </a:solidFill>
-                <a:latin typeface="Arial" panose="020B0604020202020204" pitchFamily="34" charset="0"/>
-                <a:cs typeface="Arial" panose="020B0604020202020204" pitchFamily="34" charset="0"/>
-              </a:rPr>
-              <a:t>]&lt;-</a:t>
-            </a:r>
-            <a:r>
-              <a:rPr lang="en-US" sz="1800" dirty="0" err="1" smtClean="0">
-                <a:solidFill>
-                  <a:srgbClr val="0070C0"/>
-                </a:solidFill>
-                <a:latin typeface="Arial" panose="020B0604020202020204" pitchFamily="34" charset="0"/>
-                <a:cs typeface="Arial" panose="020B0604020202020204" pitchFamily="34" charset="0"/>
-              </a:rPr>
-              <a:t>as.integer</a:t>
-            </a:r>
-            <a:r>
-              <a:rPr lang="en-US" sz="1800" dirty="0" smtClean="0">
-                <a:solidFill>
-                  <a:srgbClr val="0070C0"/>
-                </a:solidFill>
-                <a:latin typeface="Arial" panose="020B0604020202020204" pitchFamily="34" charset="0"/>
-                <a:cs typeface="Arial" panose="020B0604020202020204" pitchFamily="34" charset="0"/>
-              </a:rPr>
-              <a:t>(</a:t>
-            </a:r>
-            <a:r>
-              <a:rPr lang="en-US" sz="1800" dirty="0" err="1" smtClean="0">
-                <a:solidFill>
-                  <a:srgbClr val="0070C0"/>
-                </a:solidFill>
-                <a:latin typeface="Arial" panose="020B0604020202020204" pitchFamily="34" charset="0"/>
-                <a:cs typeface="Arial" panose="020B0604020202020204" pitchFamily="34" charset="0"/>
-              </a:rPr>
-              <a:t>unlist</a:t>
-            </a:r>
-            <a:r>
-              <a:rPr lang="en-US" sz="1800" dirty="0" smtClean="0">
-                <a:solidFill>
-                  <a:srgbClr val="0070C0"/>
-                </a:solidFill>
-                <a:latin typeface="Arial" panose="020B0604020202020204" pitchFamily="34" charset="0"/>
-                <a:cs typeface="Arial" panose="020B0604020202020204" pitchFamily="34" charset="0"/>
-              </a:rPr>
-              <a:t>(</a:t>
-            </a:r>
-            <a:r>
-              <a:rPr lang="en-US" sz="1800" dirty="0" err="1" smtClean="0">
-                <a:solidFill>
-                  <a:srgbClr val="0070C0"/>
-                </a:solidFill>
-                <a:latin typeface="Arial" panose="020B0604020202020204" pitchFamily="34" charset="0"/>
-                <a:cs typeface="Arial" panose="020B0604020202020204" pitchFamily="34" charset="0"/>
-              </a:rPr>
-              <a:t>strsplit</a:t>
-            </a:r>
-            <a:r>
-              <a:rPr lang="en-US" sz="1800" dirty="0" smtClean="0">
-                <a:solidFill>
-                  <a:srgbClr val="0070C0"/>
-                </a:solidFill>
-                <a:latin typeface="Arial" panose="020B0604020202020204" pitchFamily="34" charset="0"/>
-                <a:cs typeface="Arial" panose="020B0604020202020204" pitchFamily="34" charset="0"/>
-              </a:rPr>
-              <a:t>(</a:t>
-            </a:r>
-            <a:r>
-              <a:rPr lang="en-US" sz="1800" dirty="0" err="1" smtClean="0">
-                <a:solidFill>
-                  <a:srgbClr val="0070C0"/>
-                </a:solidFill>
-                <a:latin typeface="Arial" panose="020B0604020202020204" pitchFamily="34" charset="0"/>
-                <a:cs typeface="Arial" panose="020B0604020202020204" pitchFamily="34" charset="0"/>
-              </a:rPr>
-              <a:t>data$dob,split</a:t>
-            </a:r>
-            <a:r>
-              <a:rPr lang="en-US" sz="1800" dirty="0" smtClean="0">
-                <a:solidFill>
-                  <a:srgbClr val="0070C0"/>
-                </a:solidFill>
-                <a:latin typeface="Arial" panose="020B0604020202020204" pitchFamily="34" charset="0"/>
-                <a:cs typeface="Arial" panose="020B0604020202020204" pitchFamily="34" charset="0"/>
-              </a:rPr>
-              <a:t>="/")[</a:t>
-            </a:r>
-            <a:r>
-              <a:rPr lang="en-US" sz="1800" dirty="0" err="1" smtClean="0">
-                <a:solidFill>
-                  <a:srgbClr val="0070C0"/>
-                </a:solidFill>
-                <a:latin typeface="Arial" panose="020B0604020202020204" pitchFamily="34" charset="0"/>
-                <a:cs typeface="Arial" panose="020B0604020202020204" pitchFamily="34" charset="0"/>
-              </a:rPr>
-              <a:t>i</a:t>
-            </a:r>
-            <a:r>
-              <a:rPr lang="en-US" sz="1800" dirty="0" smtClean="0">
-                <a:solidFill>
-                  <a:srgbClr val="0070C0"/>
-                </a:solidFill>
-                <a:latin typeface="Arial" panose="020B0604020202020204" pitchFamily="34" charset="0"/>
-                <a:cs typeface="Arial" panose="020B0604020202020204" pitchFamily="34" charset="0"/>
-              </a:rPr>
-              <a:t>])[2])</a:t>
-            </a:r>
-          </a:p>
-          <a:p>
-            <a:pPr marL="914400" lvl="2" indent="0">
-              <a:buNone/>
-            </a:pPr>
-            <a:r>
-              <a:rPr lang="en-US" sz="1800" dirty="0" err="1" smtClean="0">
-                <a:solidFill>
-                  <a:srgbClr val="0070C0"/>
-                </a:solidFill>
-                <a:latin typeface="Arial" panose="020B0604020202020204" pitchFamily="34" charset="0"/>
-                <a:cs typeface="Arial" panose="020B0604020202020204" pitchFamily="34" charset="0"/>
-              </a:rPr>
-              <a:t>data$year</a:t>
-            </a:r>
-            <a:r>
-              <a:rPr lang="en-US" sz="1800" dirty="0" smtClean="0">
-                <a:solidFill>
-                  <a:srgbClr val="0070C0"/>
-                </a:solidFill>
-                <a:latin typeface="Arial" panose="020B0604020202020204" pitchFamily="34" charset="0"/>
-                <a:cs typeface="Arial" panose="020B0604020202020204" pitchFamily="34" charset="0"/>
-              </a:rPr>
-              <a:t>[</a:t>
-            </a:r>
-            <a:r>
-              <a:rPr lang="en-US" sz="1800" dirty="0" err="1" smtClean="0">
-                <a:solidFill>
-                  <a:srgbClr val="0070C0"/>
-                </a:solidFill>
-                <a:latin typeface="Arial" panose="020B0604020202020204" pitchFamily="34" charset="0"/>
-                <a:cs typeface="Arial" panose="020B0604020202020204" pitchFamily="34" charset="0"/>
-              </a:rPr>
-              <a:t>i</a:t>
-            </a:r>
-            <a:r>
-              <a:rPr lang="en-US" sz="1800" dirty="0" smtClean="0">
-                <a:solidFill>
-                  <a:srgbClr val="0070C0"/>
-                </a:solidFill>
-                <a:latin typeface="Arial" panose="020B0604020202020204" pitchFamily="34" charset="0"/>
-                <a:cs typeface="Arial" panose="020B0604020202020204" pitchFamily="34" charset="0"/>
-              </a:rPr>
-              <a:t>]&lt;-</a:t>
-            </a:r>
-            <a:r>
-              <a:rPr lang="en-US" sz="1800" dirty="0" err="1" smtClean="0">
-                <a:solidFill>
-                  <a:srgbClr val="0070C0"/>
-                </a:solidFill>
-                <a:latin typeface="Arial" panose="020B0604020202020204" pitchFamily="34" charset="0"/>
-                <a:cs typeface="Arial" panose="020B0604020202020204" pitchFamily="34" charset="0"/>
-              </a:rPr>
-              <a:t>as.integer</a:t>
-            </a:r>
-            <a:r>
-              <a:rPr lang="en-US" sz="1800" dirty="0" smtClean="0">
-                <a:solidFill>
-                  <a:srgbClr val="0070C0"/>
-                </a:solidFill>
-                <a:latin typeface="Arial" panose="020B0604020202020204" pitchFamily="34" charset="0"/>
-                <a:cs typeface="Arial" panose="020B0604020202020204" pitchFamily="34" charset="0"/>
-              </a:rPr>
-              <a:t>(</a:t>
-            </a:r>
-            <a:r>
-              <a:rPr lang="en-US" sz="1800" dirty="0" err="1" smtClean="0">
-                <a:solidFill>
-                  <a:srgbClr val="0070C0"/>
-                </a:solidFill>
-                <a:latin typeface="Arial" panose="020B0604020202020204" pitchFamily="34" charset="0"/>
-                <a:cs typeface="Arial" panose="020B0604020202020204" pitchFamily="34" charset="0"/>
-              </a:rPr>
-              <a:t>unlist</a:t>
-            </a:r>
-            <a:r>
-              <a:rPr lang="en-US" sz="1800" dirty="0" smtClean="0">
-                <a:solidFill>
-                  <a:srgbClr val="0070C0"/>
-                </a:solidFill>
-                <a:latin typeface="Arial" panose="020B0604020202020204" pitchFamily="34" charset="0"/>
-                <a:cs typeface="Arial" panose="020B0604020202020204" pitchFamily="34" charset="0"/>
-              </a:rPr>
-              <a:t>(</a:t>
-            </a:r>
-            <a:r>
-              <a:rPr lang="en-US" sz="1800" dirty="0" err="1" smtClean="0">
-                <a:solidFill>
-                  <a:srgbClr val="0070C0"/>
-                </a:solidFill>
-                <a:latin typeface="Arial" panose="020B0604020202020204" pitchFamily="34" charset="0"/>
-                <a:cs typeface="Arial" panose="020B0604020202020204" pitchFamily="34" charset="0"/>
-              </a:rPr>
-              <a:t>strsplit</a:t>
-            </a:r>
-            <a:r>
-              <a:rPr lang="en-US" sz="1800" dirty="0" smtClean="0">
-                <a:solidFill>
-                  <a:srgbClr val="0070C0"/>
-                </a:solidFill>
-                <a:latin typeface="Arial" panose="020B0604020202020204" pitchFamily="34" charset="0"/>
-                <a:cs typeface="Arial" panose="020B0604020202020204" pitchFamily="34" charset="0"/>
-              </a:rPr>
-              <a:t>(</a:t>
-            </a:r>
-            <a:r>
-              <a:rPr lang="en-US" sz="1800" dirty="0" err="1" smtClean="0">
-                <a:solidFill>
-                  <a:srgbClr val="0070C0"/>
-                </a:solidFill>
-                <a:latin typeface="Arial" panose="020B0604020202020204" pitchFamily="34" charset="0"/>
-                <a:cs typeface="Arial" panose="020B0604020202020204" pitchFamily="34" charset="0"/>
-              </a:rPr>
-              <a:t>data$dob,split</a:t>
-            </a:r>
-            <a:r>
-              <a:rPr lang="en-US" sz="1800" dirty="0" smtClean="0">
-                <a:solidFill>
-                  <a:srgbClr val="0070C0"/>
-                </a:solidFill>
-                <a:latin typeface="Arial" panose="020B0604020202020204" pitchFamily="34" charset="0"/>
-                <a:cs typeface="Arial" panose="020B0604020202020204" pitchFamily="34" charset="0"/>
-              </a:rPr>
-              <a:t>="/")[</a:t>
-            </a:r>
-            <a:r>
-              <a:rPr lang="en-US" sz="1800" dirty="0" err="1" smtClean="0">
-                <a:solidFill>
-                  <a:srgbClr val="0070C0"/>
-                </a:solidFill>
-                <a:latin typeface="Arial" panose="020B0604020202020204" pitchFamily="34" charset="0"/>
-                <a:cs typeface="Arial" panose="020B0604020202020204" pitchFamily="34" charset="0"/>
-              </a:rPr>
-              <a:t>i</a:t>
-            </a:r>
-            <a:r>
-              <a:rPr lang="en-US" sz="1800" dirty="0" smtClean="0">
-                <a:solidFill>
-                  <a:srgbClr val="0070C0"/>
-                </a:solidFill>
-                <a:latin typeface="Arial" panose="020B0604020202020204" pitchFamily="34" charset="0"/>
-                <a:cs typeface="Arial" panose="020B0604020202020204" pitchFamily="34" charset="0"/>
-              </a:rPr>
-              <a:t>])[3])</a:t>
-            </a:r>
-          </a:p>
-          <a:p>
-            <a:pPr marL="914400" lvl="2" indent="0">
-              <a:buNone/>
-            </a:pPr>
-            <a:r>
-              <a:rPr lang="en-US" dirty="0" smtClean="0">
-                <a:latin typeface="Arial" panose="020B0604020202020204" pitchFamily="34" charset="0"/>
-                <a:cs typeface="Arial" panose="020B0604020202020204" pitchFamily="34" charset="0"/>
-              </a:rPr>
-              <a:t>}</a:t>
-            </a:r>
-          </a:p>
-          <a:p>
-            <a:pPr marL="457200" lvl="1" indent="0">
-              <a:buNone/>
-            </a:pPr>
-            <a:r>
-              <a:rPr lang="en-US" sz="2000" dirty="0" smtClean="0">
-                <a:latin typeface="Arial" panose="020B0604020202020204" pitchFamily="34" charset="0"/>
-                <a:cs typeface="Arial" panose="020B0604020202020204" pitchFamily="34" charset="0"/>
-              </a:rPr>
-              <a:t>a&lt;-c(1,2,4)</a:t>
-            </a:r>
-          </a:p>
-          <a:p>
-            <a:pPr marL="457200" lvl="1" indent="0">
-              <a:buNone/>
-            </a:pPr>
-            <a:r>
-              <a:rPr lang="en-US" sz="2000" dirty="0" err="1" smtClean="0">
-                <a:latin typeface="Arial" panose="020B0604020202020204" pitchFamily="34" charset="0"/>
-                <a:cs typeface="Arial" panose="020B0604020202020204" pitchFamily="34" charset="0"/>
-              </a:rPr>
-              <a:t>df</a:t>
-            </a:r>
-            <a:r>
-              <a:rPr lang="en-US" sz="2000" dirty="0" smtClean="0">
-                <a:latin typeface="Arial" panose="020B0604020202020204" pitchFamily="34" charset="0"/>
-                <a:cs typeface="Arial" panose="020B0604020202020204" pitchFamily="34" charset="0"/>
-              </a:rPr>
-              <a:t>=data[,-a]</a:t>
-            </a:r>
-          </a:p>
-          <a:p>
-            <a:pPr marL="457200" lvl="1" indent="0">
-              <a:buNone/>
-            </a:pPr>
-            <a:endParaRPr lang="en-US" sz="2000" dirty="0" smtClean="0">
-              <a:latin typeface="Arial" panose="020B0604020202020204" pitchFamily="34" charset="0"/>
-              <a:cs typeface="Arial" panose="020B0604020202020204" pitchFamily="34" charset="0"/>
-            </a:endParaRPr>
-          </a:p>
-          <a:p>
-            <a:pPr marL="457200" lvl="1" indent="0">
-              <a:buNone/>
-            </a:pPr>
-            <a:r>
-              <a:rPr lang="en-US" sz="2000" dirty="0" err="1" smtClean="0">
-                <a:latin typeface="Arial" panose="020B0604020202020204" pitchFamily="34" charset="0"/>
-                <a:cs typeface="Arial" panose="020B0604020202020204" pitchFamily="34" charset="0"/>
-              </a:rPr>
-              <a:t>uniqueids</a:t>
-            </a:r>
-            <a:r>
-              <a:rPr lang="en-US" sz="2000" dirty="0" smtClean="0">
-                <a:latin typeface="Arial" panose="020B0604020202020204" pitchFamily="34" charset="0"/>
-                <a:cs typeface="Arial" panose="020B0604020202020204" pitchFamily="34" charset="0"/>
-              </a:rPr>
-              <a:t>&lt;-</a:t>
-            </a:r>
-            <a:r>
-              <a:rPr lang="en-US" sz="2000" dirty="0" err="1" smtClean="0">
-                <a:latin typeface="Arial" panose="020B0604020202020204" pitchFamily="34" charset="0"/>
-                <a:cs typeface="Arial" panose="020B0604020202020204" pitchFamily="34" charset="0"/>
-              </a:rPr>
-              <a:t>unlist</a:t>
-            </a:r>
-            <a:r>
-              <a:rPr lang="en-US" sz="2000" dirty="0" smtClean="0">
-                <a:latin typeface="Arial" panose="020B0604020202020204" pitchFamily="34" charset="0"/>
-                <a:cs typeface="Arial" panose="020B0604020202020204" pitchFamily="34" charset="0"/>
-              </a:rPr>
-              <a:t>(labels(unique( </a:t>
-            </a:r>
-            <a:r>
-              <a:rPr lang="en-US" sz="2000" dirty="0" err="1" smtClean="0">
-                <a:latin typeface="Arial" panose="020B0604020202020204" pitchFamily="34" charset="0"/>
-                <a:cs typeface="Arial" panose="020B0604020202020204" pitchFamily="34" charset="0"/>
-              </a:rPr>
-              <a:t>df</a:t>
-            </a:r>
-            <a:r>
-              <a:rPr lang="en-US" sz="2000" dirty="0" smtClean="0">
-                <a:latin typeface="Arial" panose="020B0604020202020204" pitchFamily="34" charset="0"/>
-                <a:cs typeface="Arial" panose="020B0604020202020204" pitchFamily="34" charset="0"/>
-              </a:rPr>
-              <a:t>[ , 1:5 ] ))[1])</a:t>
-            </a:r>
-          </a:p>
-          <a:p>
-            <a:pPr marL="457200" lvl="1" indent="0">
-              <a:buNone/>
-            </a:pPr>
-            <a:r>
-              <a:rPr lang="en-US" sz="2000" dirty="0" err="1" smtClean="0">
-                <a:solidFill>
-                  <a:srgbClr val="0070C0"/>
-                </a:solidFill>
-                <a:latin typeface="Arial" panose="020B0604020202020204" pitchFamily="34" charset="0"/>
-                <a:cs typeface="Arial" panose="020B0604020202020204" pitchFamily="34" charset="0"/>
-              </a:rPr>
-              <a:t>FinalList</a:t>
-            </a:r>
-            <a:r>
-              <a:rPr lang="en-US" sz="2000" dirty="0" smtClean="0">
-                <a:solidFill>
-                  <a:srgbClr val="0070C0"/>
-                </a:solidFill>
-                <a:latin typeface="Arial" panose="020B0604020202020204" pitchFamily="34" charset="0"/>
-                <a:cs typeface="Arial" panose="020B0604020202020204" pitchFamily="34" charset="0"/>
-              </a:rPr>
-              <a:t>&lt;-</a:t>
-            </a:r>
-            <a:r>
-              <a:rPr lang="en-US" sz="2000" dirty="0" err="1" smtClean="0">
-                <a:solidFill>
-                  <a:srgbClr val="0070C0"/>
-                </a:solidFill>
-                <a:latin typeface="Arial" panose="020B0604020202020204" pitchFamily="34" charset="0"/>
-                <a:cs typeface="Arial" panose="020B0604020202020204" pitchFamily="34" charset="0"/>
-              </a:rPr>
-              <a:t>SampleData</a:t>
-            </a:r>
-            <a:r>
-              <a:rPr lang="en-US" sz="2000" dirty="0" smtClean="0">
-                <a:solidFill>
-                  <a:srgbClr val="0070C0"/>
-                </a:solidFill>
-                <a:latin typeface="Arial" panose="020B0604020202020204" pitchFamily="34" charset="0"/>
-                <a:cs typeface="Arial" panose="020B0604020202020204" pitchFamily="34" charset="0"/>
-              </a:rPr>
-              <a:t>[</a:t>
-            </a:r>
-            <a:r>
-              <a:rPr lang="en-US" sz="2000" dirty="0" err="1" smtClean="0">
-                <a:solidFill>
-                  <a:srgbClr val="0070C0"/>
-                </a:solidFill>
-                <a:latin typeface="Arial" panose="020B0604020202020204" pitchFamily="34" charset="0"/>
-                <a:cs typeface="Arial" panose="020B0604020202020204" pitchFamily="34" charset="0"/>
-              </a:rPr>
-              <a:t>uniqueids</a:t>
-            </a:r>
-            <a:r>
-              <a:rPr lang="en-US" sz="2000" dirty="0" smtClean="0">
-                <a:solidFill>
-                  <a:srgbClr val="0070C0"/>
-                </a:solidFill>
-                <a:latin typeface="Arial" panose="020B0604020202020204" pitchFamily="34" charset="0"/>
-                <a:cs typeface="Arial" panose="020B0604020202020204" pitchFamily="34" charset="0"/>
-              </a:rPr>
-              <a:t>,]</a:t>
-            </a:r>
-            <a:endParaRPr lang="en-US" sz="2000" dirty="0">
-              <a:solidFill>
-                <a:srgbClr val="0070C0"/>
-              </a:solidFill>
-              <a:latin typeface="Arial" panose="020B0604020202020204" pitchFamily="34" charset="0"/>
-              <a:cs typeface="Arial" panose="020B0604020202020204" pitchFamily="34" charset="0"/>
-            </a:endParaRPr>
-          </a:p>
-        </p:txBody>
-      </p:sp>
-      <p:sp>
-        <p:nvSpPr>
-          <p:cNvPr id="7" name="TextBox 6"/>
-          <p:cNvSpPr txBox="1"/>
-          <p:nvPr/>
-        </p:nvSpPr>
-        <p:spPr>
-          <a:xfrm>
-            <a:off x="3585754" y="104503"/>
-            <a:ext cx="4343400" cy="646331"/>
-          </a:xfrm>
-          <a:prstGeom prst="rect">
-            <a:avLst/>
-          </a:prstGeom>
-          <a:noFill/>
-        </p:spPr>
-        <p:txBody>
-          <a:bodyPr wrap="square" rtlCol="0">
-            <a:spAutoFit/>
-          </a:bodyPr>
-          <a:lstStyle/>
-          <a:p>
-            <a:pPr algn="ctr"/>
-            <a:r>
-              <a:rPr lang="en-US" sz="3600" b="1" u="sng" dirty="0" smtClean="0"/>
-              <a:t>R Code</a:t>
-            </a:r>
-            <a:endParaRPr lang="en-US" sz="3600" b="1" u="sng" dirty="0"/>
-          </a:p>
-        </p:txBody>
-      </p:sp>
-    </p:spTree>
-    <p:extLst>
-      <p:ext uri="{BB962C8B-B14F-4D97-AF65-F5344CB8AC3E}">
-        <p14:creationId xmlns:p14="http://schemas.microsoft.com/office/powerpoint/2010/main" val="727702759"/>
-      </p:ext>
-    </p:extLst>
-  </p:cSld>
-  <p:clrMapOvr>
-    <a:masterClrMapping/>
-  </p:clrMapOvr>
-</p:sld>
-</file>
-
-<file path=ppt/slides/slide4.xml><?xml version="1.0" encoding="utf-8"?>
-<p:sld xmlns:a="http://schemas.openxmlformats.org/drawingml/2006/main" xmlns:r="http://schemas.openxmlformats.org/officeDocument/2006/relationships" xmlns:p="http://schemas.openxmlformats.org/presentationml/2006/main">
-  <p:cSld>
-    <p:spTree>
-      <p:nvGrpSpPr>
-        <p:cNvPr id="1" name=""/>
-        <p:cNvGrpSpPr/>
-        <p:nvPr/>
-      </p:nvGrpSpPr>
-      <p:grpSpPr>
-        <a:xfrm>
-          <a:off x="0" y="0"/>
-          <a:ext cx="0" cy="0"/>
-          <a:chOff x="0" y="0"/>
-          <a:chExt cx="0" cy="0"/>
-        </a:xfrm>
-      </p:grpSpPr>
-      <p:sp>
-        <p:nvSpPr>
-          <p:cNvPr id="3" name="Content Placeholder 2"/>
-          <p:cNvSpPr>
-            <a:spLocks noGrp="1"/>
-          </p:cNvSpPr>
-          <p:nvPr>
-            <p:ph idx="1"/>
-          </p:nvPr>
-        </p:nvSpPr>
-        <p:spPr>
-          <a:xfrm>
-            <a:off x="647700" y="587374"/>
-            <a:ext cx="10515600" cy="5813425"/>
-          </a:xfrm>
-        </p:spPr>
-        <p:txBody>
-          <a:bodyPr/>
-          <a:lstStyle/>
-          <a:p>
-            <a:r>
-              <a:rPr lang="en-US" dirty="0" smtClean="0"/>
-              <a:t>So According to the output of the given dataset:- There are 54 Unique names in the dataset.</a:t>
-            </a:r>
-          </a:p>
-          <a:p>
-            <a:endParaRPr lang="en-US" dirty="0"/>
-          </a:p>
-          <a:p>
-            <a:endParaRPr lang="en-US" dirty="0" smtClean="0"/>
-          </a:p>
-          <a:p>
-            <a:endParaRPr lang="en-US" dirty="0"/>
-          </a:p>
-          <a:p>
-            <a:endParaRPr lang="en-US" dirty="0" smtClean="0"/>
-          </a:p>
-          <a:p>
-            <a:endParaRPr lang="en-US" dirty="0"/>
-          </a:p>
-          <a:p>
-            <a:endParaRPr lang="en-US" dirty="0" smtClean="0"/>
-          </a:p>
-          <a:p>
-            <a:endParaRPr lang="en-US" dirty="0" smtClean="0"/>
-          </a:p>
-          <a:p>
-            <a:endParaRPr lang="en-US" dirty="0" smtClean="0"/>
-          </a:p>
-          <a:p>
-            <a:pPr marL="0" indent="0" algn="ctr">
-              <a:buNone/>
-            </a:pPr>
-            <a:r>
-              <a:rPr lang="en-US" sz="4400" b="1" dirty="0" smtClean="0"/>
+              <a:rPr lang="en-US" sz="3200" b="1" dirty="0" smtClean="0"/>
               <a:t>THANK YOU!!!</a:t>
             </a:r>
-            <a:endParaRPr lang="en-US" sz="4400" b="1" dirty="0"/>
+            <a:endParaRPr lang="en-US" sz="3200" b="1" dirty="0"/>
           </a:p>
         </p:txBody>
       </p:sp>
